--- a/logo.pptx
+++ b/logo.pptx
@@ -104,6 +104,22 @@
       </a:defRPr>
     </a:lvl9pPr>
   </p:defaultTextStyle>
+  <p:extLst>
+    <p:ext uri="{EFAFB233-063F-42B5-8137-9DF3F51BA10A}">
+      <p15:sldGuideLst xmlns:p15="http://schemas.microsoft.com/office/powerpoint/2012/main">
+        <p15:guide id="1" orient="horz" pos="2160">
+          <p15:clr>
+            <a:srgbClr val="A4A3A4"/>
+          </p15:clr>
+        </p15:guide>
+        <p15:guide id="2" pos="2880">
+          <p15:clr>
+            <a:srgbClr val="A4A3A4"/>
+          </p15:clr>
+        </p15:guide>
+      </p15:sldGuideLst>
+    </p:ext>
+  </p:extLst>
 </p:presentation>
 </file>
 
@@ -145,10 +161,9 @@
           <a:lstStyle/>
           <a:p>
             <a:r>
-              <a:rPr lang="en-US" smtClean="0"/>
+              <a:rPr lang="en-US"/>
               <a:t>Click to edit Master title style</a:t>
             </a:r>
-            <a:endParaRPr lang="en-US"/>
           </a:p>
         </p:txBody>
       </p:sp>
@@ -264,10 +279,9 @@
           </a:lstStyle>
           <a:p>
             <a:r>
-              <a:rPr lang="en-US" smtClean="0"/>
+              <a:rPr lang="en-US"/>
               <a:t>Click to edit Master subtitle style</a:t>
             </a:r>
-            <a:endParaRPr lang="en-US"/>
           </a:p>
         </p:txBody>
       </p:sp>
@@ -288,7 +302,7 @@
           <a:p>
             <a:fld id="{17C9B840-8A86-B04A-9456-6986CFF9F6B0}" type="datetimeFigureOut">
               <a:rPr lang="en-US" smtClean="0"/>
-              <a:t>6/19/16</a:t>
+              <a:t>11/2/18</a:t>
             </a:fld>
             <a:endParaRPr lang="en-US"/>
           </a:p>
@@ -382,10 +396,9 @@
           <a:lstStyle/>
           <a:p>
             <a:r>
-              <a:rPr lang="en-US" smtClean="0"/>
+              <a:rPr lang="en-US"/>
               <a:t>Click to edit Master title style</a:t>
             </a:r>
-            <a:endParaRPr lang="en-US"/>
           </a:p>
         </p:txBody>
       </p:sp>
@@ -406,38 +419,37 @@
           <a:p>
             <a:pPr lvl="0"/>
             <a:r>
-              <a:rPr lang="en-US" smtClean="0"/>
+              <a:rPr lang="en-US"/>
               <a:t>Click to edit Master text styles</a:t>
             </a:r>
           </a:p>
           <a:p>
             <a:pPr lvl="1"/>
             <a:r>
-              <a:rPr lang="en-US" smtClean="0"/>
+              <a:rPr lang="en-US"/>
               <a:t>Second level</a:t>
             </a:r>
           </a:p>
           <a:p>
             <a:pPr lvl="2"/>
             <a:r>
-              <a:rPr lang="en-US" smtClean="0"/>
+              <a:rPr lang="en-US"/>
               <a:t>Third level</a:t>
             </a:r>
           </a:p>
           <a:p>
             <a:pPr lvl="3"/>
             <a:r>
-              <a:rPr lang="en-US" smtClean="0"/>
+              <a:rPr lang="en-US"/>
               <a:t>Fourth level</a:t>
             </a:r>
           </a:p>
           <a:p>
             <a:pPr lvl="4"/>
             <a:r>
-              <a:rPr lang="en-US" smtClean="0"/>
+              <a:rPr lang="en-US"/>
               <a:t>Fifth level</a:t>
             </a:r>
-            <a:endParaRPr lang="en-US"/>
           </a:p>
         </p:txBody>
       </p:sp>
@@ -458,7 +470,7 @@
           <a:p>
             <a:fld id="{17C9B840-8A86-B04A-9456-6986CFF9F6B0}" type="datetimeFigureOut">
               <a:rPr lang="en-US" smtClean="0"/>
-              <a:t>6/19/16</a:t>
+              <a:t>11/2/18</a:t>
             </a:fld>
             <a:endParaRPr lang="en-US"/>
           </a:p>
@@ -557,10 +569,9 @@
           <a:lstStyle/>
           <a:p>
             <a:r>
-              <a:rPr lang="en-US" smtClean="0"/>
+              <a:rPr lang="en-US"/>
               <a:t>Click to edit Master title style</a:t>
             </a:r>
-            <a:endParaRPr lang="en-US"/>
           </a:p>
         </p:txBody>
       </p:sp>
@@ -586,38 +597,37 @@
           <a:p>
             <a:pPr lvl="0"/>
             <a:r>
-              <a:rPr lang="en-US" smtClean="0"/>
+              <a:rPr lang="en-US"/>
               <a:t>Click to edit Master text styles</a:t>
             </a:r>
           </a:p>
           <a:p>
             <a:pPr lvl="1"/>
             <a:r>
-              <a:rPr lang="en-US" smtClean="0"/>
+              <a:rPr lang="en-US"/>
               <a:t>Second level</a:t>
             </a:r>
           </a:p>
           <a:p>
             <a:pPr lvl="2"/>
             <a:r>
-              <a:rPr lang="en-US" smtClean="0"/>
+              <a:rPr lang="en-US"/>
               <a:t>Third level</a:t>
             </a:r>
           </a:p>
           <a:p>
             <a:pPr lvl="3"/>
             <a:r>
-              <a:rPr lang="en-US" smtClean="0"/>
+              <a:rPr lang="en-US"/>
               <a:t>Fourth level</a:t>
             </a:r>
           </a:p>
           <a:p>
             <a:pPr lvl="4"/>
             <a:r>
-              <a:rPr lang="en-US" smtClean="0"/>
+              <a:rPr lang="en-US"/>
               <a:t>Fifth level</a:t>
             </a:r>
-            <a:endParaRPr lang="en-US"/>
           </a:p>
         </p:txBody>
       </p:sp>
@@ -638,7 +648,7 @@
           <a:p>
             <a:fld id="{17C9B840-8A86-B04A-9456-6986CFF9F6B0}" type="datetimeFigureOut">
               <a:rPr lang="en-US" smtClean="0"/>
-              <a:t>6/19/16</a:t>
+              <a:t>11/2/18</a:t>
             </a:fld>
             <a:endParaRPr lang="en-US"/>
           </a:p>
@@ -732,10 +742,9 @@
           <a:lstStyle/>
           <a:p>
             <a:r>
-              <a:rPr lang="en-US" smtClean="0"/>
+              <a:rPr lang="en-US"/>
               <a:t>Click to edit Master title style</a:t>
             </a:r>
-            <a:endParaRPr lang="en-US"/>
           </a:p>
         </p:txBody>
       </p:sp>
@@ -756,38 +765,37 @@
           <a:p>
             <a:pPr lvl="0"/>
             <a:r>
-              <a:rPr lang="en-US" smtClean="0"/>
+              <a:rPr lang="en-US"/>
               <a:t>Click to edit Master text styles</a:t>
             </a:r>
           </a:p>
           <a:p>
             <a:pPr lvl="1"/>
             <a:r>
-              <a:rPr lang="en-US" smtClean="0"/>
+              <a:rPr lang="en-US"/>
               <a:t>Second level</a:t>
             </a:r>
           </a:p>
           <a:p>
             <a:pPr lvl="2"/>
             <a:r>
-              <a:rPr lang="en-US" smtClean="0"/>
+              <a:rPr lang="en-US"/>
               <a:t>Third level</a:t>
             </a:r>
           </a:p>
           <a:p>
             <a:pPr lvl="3"/>
             <a:r>
-              <a:rPr lang="en-US" smtClean="0"/>
+              <a:rPr lang="en-US"/>
               <a:t>Fourth level</a:t>
             </a:r>
           </a:p>
           <a:p>
             <a:pPr lvl="4"/>
             <a:r>
-              <a:rPr lang="en-US" smtClean="0"/>
+              <a:rPr lang="en-US"/>
               <a:t>Fifth level</a:t>
             </a:r>
-            <a:endParaRPr lang="en-US"/>
           </a:p>
         </p:txBody>
       </p:sp>
@@ -808,7 +816,7 @@
           <a:p>
             <a:fld id="{17C9B840-8A86-B04A-9456-6986CFF9F6B0}" type="datetimeFigureOut">
               <a:rPr lang="en-US" smtClean="0"/>
-              <a:t>6/19/16</a:t>
+              <a:t>11/2/18</a:t>
             </a:fld>
             <a:endParaRPr lang="en-US"/>
           </a:p>
@@ -911,10 +919,9 @@
           </a:lstStyle>
           <a:p>
             <a:r>
-              <a:rPr lang="en-US" smtClean="0"/>
+              <a:rPr lang="en-US"/>
               <a:t>Click to edit Master title style</a:t>
             </a:r>
-            <a:endParaRPr lang="en-US"/>
           </a:p>
         </p:txBody>
       </p:sp>
@@ -1031,7 +1038,7 @@
           <a:p>
             <a:pPr lvl="0"/>
             <a:r>
-              <a:rPr lang="en-US" smtClean="0"/>
+              <a:rPr lang="en-US"/>
               <a:t>Click to edit Master text styles</a:t>
             </a:r>
           </a:p>
@@ -1054,7 +1061,7 @@
           <a:p>
             <a:fld id="{17C9B840-8A86-B04A-9456-6986CFF9F6B0}" type="datetimeFigureOut">
               <a:rPr lang="en-US" smtClean="0"/>
-              <a:t>6/19/16</a:t>
+              <a:t>11/2/18</a:t>
             </a:fld>
             <a:endParaRPr lang="en-US"/>
           </a:p>
@@ -1148,10 +1155,9 @@
           <a:lstStyle/>
           <a:p>
             <a:r>
-              <a:rPr lang="en-US" smtClean="0"/>
+              <a:rPr lang="en-US"/>
               <a:t>Click to edit Master title style</a:t>
             </a:r>
-            <a:endParaRPr lang="en-US"/>
           </a:p>
         </p:txBody>
       </p:sp>
@@ -1205,38 +1211,37 @@
           <a:p>
             <a:pPr lvl="0"/>
             <a:r>
-              <a:rPr lang="en-US" smtClean="0"/>
+              <a:rPr lang="en-US"/>
               <a:t>Click to edit Master text styles</a:t>
             </a:r>
           </a:p>
           <a:p>
             <a:pPr lvl="1"/>
             <a:r>
-              <a:rPr lang="en-US" smtClean="0"/>
+              <a:rPr lang="en-US"/>
               <a:t>Second level</a:t>
             </a:r>
           </a:p>
           <a:p>
             <a:pPr lvl="2"/>
             <a:r>
-              <a:rPr lang="en-US" smtClean="0"/>
+              <a:rPr lang="en-US"/>
               <a:t>Third level</a:t>
             </a:r>
           </a:p>
           <a:p>
             <a:pPr lvl="3"/>
             <a:r>
-              <a:rPr lang="en-US" smtClean="0"/>
+              <a:rPr lang="en-US"/>
               <a:t>Fourth level</a:t>
             </a:r>
           </a:p>
           <a:p>
             <a:pPr lvl="4"/>
             <a:r>
-              <a:rPr lang="en-US" smtClean="0"/>
+              <a:rPr lang="en-US"/>
               <a:t>Fifth level</a:t>
             </a:r>
-            <a:endParaRPr lang="en-US"/>
           </a:p>
         </p:txBody>
       </p:sp>
@@ -1290,38 +1295,37 @@
           <a:p>
             <a:pPr lvl="0"/>
             <a:r>
-              <a:rPr lang="en-US" smtClean="0"/>
+              <a:rPr lang="en-US"/>
               <a:t>Click to edit Master text styles</a:t>
             </a:r>
           </a:p>
           <a:p>
             <a:pPr lvl="1"/>
             <a:r>
-              <a:rPr lang="en-US" smtClean="0"/>
+              <a:rPr lang="en-US"/>
               <a:t>Second level</a:t>
             </a:r>
           </a:p>
           <a:p>
             <a:pPr lvl="2"/>
             <a:r>
-              <a:rPr lang="en-US" smtClean="0"/>
+              <a:rPr lang="en-US"/>
               <a:t>Third level</a:t>
             </a:r>
           </a:p>
           <a:p>
             <a:pPr lvl="3"/>
             <a:r>
-              <a:rPr lang="en-US" smtClean="0"/>
+              <a:rPr lang="en-US"/>
               <a:t>Fourth level</a:t>
             </a:r>
           </a:p>
           <a:p>
             <a:pPr lvl="4"/>
             <a:r>
-              <a:rPr lang="en-US" smtClean="0"/>
+              <a:rPr lang="en-US"/>
               <a:t>Fifth level</a:t>
             </a:r>
-            <a:endParaRPr lang="en-US"/>
           </a:p>
         </p:txBody>
       </p:sp>
@@ -1342,7 +1346,7 @@
           <a:p>
             <a:fld id="{17C9B840-8A86-B04A-9456-6986CFF9F6B0}" type="datetimeFigureOut">
               <a:rPr lang="en-US" smtClean="0"/>
-              <a:t>6/19/16</a:t>
+              <a:t>11/2/18</a:t>
             </a:fld>
             <a:endParaRPr lang="en-US"/>
           </a:p>
@@ -1440,10 +1444,9 @@
           </a:lstStyle>
           <a:p>
             <a:r>
-              <a:rPr lang="en-US" smtClean="0"/>
+              <a:rPr lang="en-US"/>
               <a:t>Click to edit Master title style</a:t>
             </a:r>
-            <a:endParaRPr lang="en-US"/>
           </a:p>
         </p:txBody>
       </p:sp>
@@ -1506,7 +1509,7 @@
           <a:p>
             <a:pPr lvl="0"/>
             <a:r>
-              <a:rPr lang="en-US" smtClean="0"/>
+              <a:rPr lang="en-US"/>
               <a:t>Click to edit Master text styles</a:t>
             </a:r>
           </a:p>
@@ -1562,38 +1565,37 @@
           <a:p>
             <a:pPr lvl="0"/>
             <a:r>
-              <a:rPr lang="en-US" smtClean="0"/>
+              <a:rPr lang="en-US"/>
               <a:t>Click to edit Master text styles</a:t>
             </a:r>
           </a:p>
           <a:p>
             <a:pPr lvl="1"/>
             <a:r>
-              <a:rPr lang="en-US" smtClean="0"/>
+              <a:rPr lang="en-US"/>
               <a:t>Second level</a:t>
             </a:r>
           </a:p>
           <a:p>
             <a:pPr lvl="2"/>
             <a:r>
-              <a:rPr lang="en-US" smtClean="0"/>
+              <a:rPr lang="en-US"/>
               <a:t>Third level</a:t>
             </a:r>
           </a:p>
           <a:p>
             <a:pPr lvl="3"/>
             <a:r>
-              <a:rPr lang="en-US" smtClean="0"/>
+              <a:rPr lang="en-US"/>
               <a:t>Fourth level</a:t>
             </a:r>
           </a:p>
           <a:p>
             <a:pPr lvl="4"/>
             <a:r>
-              <a:rPr lang="en-US" smtClean="0"/>
+              <a:rPr lang="en-US"/>
               <a:t>Fifth level</a:t>
             </a:r>
-            <a:endParaRPr lang="en-US"/>
           </a:p>
         </p:txBody>
       </p:sp>
@@ -1656,7 +1658,7 @@
           <a:p>
             <a:pPr lvl="0"/>
             <a:r>
-              <a:rPr lang="en-US" smtClean="0"/>
+              <a:rPr lang="en-US"/>
               <a:t>Click to edit Master text styles</a:t>
             </a:r>
           </a:p>
@@ -1712,38 +1714,37 @@
           <a:p>
             <a:pPr lvl="0"/>
             <a:r>
-              <a:rPr lang="en-US" smtClean="0"/>
+              <a:rPr lang="en-US"/>
               <a:t>Click to edit Master text styles</a:t>
             </a:r>
           </a:p>
           <a:p>
             <a:pPr lvl="1"/>
             <a:r>
-              <a:rPr lang="en-US" smtClean="0"/>
+              <a:rPr lang="en-US"/>
               <a:t>Second level</a:t>
             </a:r>
           </a:p>
           <a:p>
             <a:pPr lvl="2"/>
             <a:r>
-              <a:rPr lang="en-US" smtClean="0"/>
+              <a:rPr lang="en-US"/>
               <a:t>Third level</a:t>
             </a:r>
           </a:p>
           <a:p>
             <a:pPr lvl="3"/>
             <a:r>
-              <a:rPr lang="en-US" smtClean="0"/>
+              <a:rPr lang="en-US"/>
               <a:t>Fourth level</a:t>
             </a:r>
           </a:p>
           <a:p>
             <a:pPr lvl="4"/>
             <a:r>
-              <a:rPr lang="en-US" smtClean="0"/>
+              <a:rPr lang="en-US"/>
               <a:t>Fifth level</a:t>
             </a:r>
-            <a:endParaRPr lang="en-US"/>
           </a:p>
         </p:txBody>
       </p:sp>
@@ -1764,7 +1765,7 @@
           <a:p>
             <a:fld id="{17C9B840-8A86-B04A-9456-6986CFF9F6B0}" type="datetimeFigureOut">
               <a:rPr lang="en-US" smtClean="0"/>
-              <a:t>6/19/16</a:t>
+              <a:t>11/2/18</a:t>
             </a:fld>
             <a:endParaRPr lang="en-US"/>
           </a:p>
@@ -1858,10 +1859,9 @@
           <a:lstStyle/>
           <a:p>
             <a:r>
-              <a:rPr lang="en-US" smtClean="0"/>
+              <a:rPr lang="en-US"/>
               <a:t>Click to edit Master title style</a:t>
             </a:r>
-            <a:endParaRPr lang="en-US"/>
           </a:p>
         </p:txBody>
       </p:sp>
@@ -1882,7 +1882,7 @@
           <a:p>
             <a:fld id="{17C9B840-8A86-B04A-9456-6986CFF9F6B0}" type="datetimeFigureOut">
               <a:rPr lang="en-US" smtClean="0"/>
-              <a:t>6/19/16</a:t>
+              <a:t>11/2/18</a:t>
             </a:fld>
             <a:endParaRPr lang="en-US"/>
           </a:p>
@@ -1977,7 +1977,7 @@
           <a:p>
             <a:fld id="{17C9B840-8A86-B04A-9456-6986CFF9F6B0}" type="datetimeFigureOut">
               <a:rPr lang="en-US" smtClean="0"/>
-              <a:t>6/19/16</a:t>
+              <a:t>11/2/18</a:t>
             </a:fld>
             <a:endParaRPr lang="en-US"/>
           </a:p>
@@ -2080,10 +2080,9 @@
           </a:lstStyle>
           <a:p>
             <a:r>
-              <a:rPr lang="en-US" smtClean="0"/>
+              <a:rPr lang="en-US"/>
               <a:t>Click to edit Master title style</a:t>
             </a:r>
-            <a:endParaRPr lang="en-US"/>
           </a:p>
         </p:txBody>
       </p:sp>
@@ -2137,38 +2136,37 @@
           <a:p>
             <a:pPr lvl="0"/>
             <a:r>
-              <a:rPr lang="en-US" smtClean="0"/>
+              <a:rPr lang="en-US"/>
               <a:t>Click to edit Master text styles</a:t>
             </a:r>
           </a:p>
           <a:p>
             <a:pPr lvl="1"/>
             <a:r>
-              <a:rPr lang="en-US" smtClean="0"/>
+              <a:rPr lang="en-US"/>
               <a:t>Second level</a:t>
             </a:r>
           </a:p>
           <a:p>
             <a:pPr lvl="2"/>
             <a:r>
-              <a:rPr lang="en-US" smtClean="0"/>
+              <a:rPr lang="en-US"/>
               <a:t>Third level</a:t>
             </a:r>
           </a:p>
           <a:p>
             <a:pPr lvl="3"/>
             <a:r>
-              <a:rPr lang="en-US" smtClean="0"/>
+              <a:rPr lang="en-US"/>
               <a:t>Fourth level</a:t>
             </a:r>
           </a:p>
           <a:p>
             <a:pPr lvl="4"/>
             <a:r>
-              <a:rPr lang="en-US" smtClean="0"/>
+              <a:rPr lang="en-US"/>
               <a:t>Fifth level</a:t>
             </a:r>
-            <a:endParaRPr lang="en-US"/>
           </a:p>
         </p:txBody>
       </p:sp>
@@ -2231,7 +2229,7 @@
           <a:p>
             <a:pPr lvl="0"/>
             <a:r>
-              <a:rPr lang="en-US" smtClean="0"/>
+              <a:rPr lang="en-US"/>
               <a:t>Click to edit Master text styles</a:t>
             </a:r>
           </a:p>
@@ -2254,7 +2252,7 @@
           <a:p>
             <a:fld id="{17C9B840-8A86-B04A-9456-6986CFF9F6B0}" type="datetimeFigureOut">
               <a:rPr lang="en-US" smtClean="0"/>
-              <a:t>6/19/16</a:t>
+              <a:t>11/2/18</a:t>
             </a:fld>
             <a:endParaRPr lang="en-US"/>
           </a:p>
@@ -2357,10 +2355,9 @@
           </a:lstStyle>
           <a:p>
             <a:r>
-              <a:rPr lang="en-US" smtClean="0"/>
+              <a:rPr lang="en-US"/>
               <a:t>Click to edit Master title style</a:t>
             </a:r>
-            <a:endParaRPr lang="en-US"/>
           </a:p>
         </p:txBody>
       </p:sp>
@@ -2484,7 +2481,7 @@
           <a:p>
             <a:pPr lvl="0"/>
             <a:r>
-              <a:rPr lang="en-US" smtClean="0"/>
+              <a:rPr lang="en-US"/>
               <a:t>Click to edit Master text styles</a:t>
             </a:r>
           </a:p>
@@ -2507,7 +2504,7 @@
           <a:p>
             <a:fld id="{17C9B840-8A86-B04A-9456-6986CFF9F6B0}" type="datetimeFigureOut">
               <a:rPr lang="en-US" smtClean="0"/>
-              <a:t>6/19/16</a:t>
+              <a:t>11/2/18</a:t>
             </a:fld>
             <a:endParaRPr lang="en-US"/>
           </a:p>
@@ -2616,10 +2613,9 @@
           <a:lstStyle/>
           <a:p>
             <a:r>
-              <a:rPr lang="en-US" smtClean="0"/>
+              <a:rPr lang="en-US"/>
               <a:t>Click to edit Master title style</a:t>
             </a:r>
-            <a:endParaRPr lang="en-US"/>
           </a:p>
         </p:txBody>
       </p:sp>
@@ -2650,38 +2646,37 @@
           <a:p>
             <a:pPr lvl="0"/>
             <a:r>
-              <a:rPr lang="en-US" smtClean="0"/>
+              <a:rPr lang="en-US"/>
               <a:t>Click to edit Master text styles</a:t>
             </a:r>
           </a:p>
           <a:p>
             <a:pPr lvl="1"/>
             <a:r>
-              <a:rPr lang="en-US" smtClean="0"/>
+              <a:rPr lang="en-US"/>
               <a:t>Second level</a:t>
             </a:r>
           </a:p>
           <a:p>
             <a:pPr lvl="2"/>
             <a:r>
-              <a:rPr lang="en-US" smtClean="0"/>
+              <a:rPr lang="en-US"/>
               <a:t>Third level</a:t>
             </a:r>
           </a:p>
           <a:p>
             <a:pPr lvl="3"/>
             <a:r>
-              <a:rPr lang="en-US" smtClean="0"/>
+              <a:rPr lang="en-US"/>
               <a:t>Fourth level</a:t>
             </a:r>
           </a:p>
           <a:p>
             <a:pPr lvl="4"/>
             <a:r>
-              <a:rPr lang="en-US" smtClean="0"/>
+              <a:rPr lang="en-US"/>
               <a:t>Fifth level</a:t>
             </a:r>
-            <a:endParaRPr lang="en-US"/>
           </a:p>
         </p:txBody>
       </p:sp>
@@ -2720,7 +2715,7 @@
           <a:p>
             <a:fld id="{17C9B840-8A86-B04A-9456-6986CFF9F6B0}" type="datetimeFigureOut">
               <a:rPr lang="en-US" smtClean="0"/>
-              <a:t>6/19/16</a:t>
+              <a:t>11/2/18</a:t>
             </a:fld>
             <a:endParaRPr lang="en-US"/>
           </a:p>
@@ -3143,7 +3138,7 @@
           <a:p>
             <a:pPr algn="ctr"/>
             <a:r>
-              <a:rPr lang="en-US" sz="3200" b="1" dirty="0" smtClean="0">
+              <a:rPr lang="en-US" sz="3200" b="1" dirty="0">
                 <a:latin typeface="Apple Chancery"/>
                 <a:cs typeface="Apple Chancery"/>
               </a:rPr>
@@ -3152,6 +3147,36 @@
           </a:p>
         </p:txBody>
       </p:sp>
+      <p:pic>
+        <p:nvPicPr>
+          <p:cNvPr id="6" name="Picture 5">
+            <a:extLst>
+              <a:ext uri="{FF2B5EF4-FFF2-40B4-BE49-F238E27FC236}">
+                <a16:creationId xmlns:a16="http://schemas.microsoft.com/office/drawing/2014/main" id="{AD2FEC9C-F396-F848-B1D7-B36DBC5D9D97}"/>
+              </a:ext>
+            </a:extLst>
+          </p:cNvPr>
+          <p:cNvPicPr>
+            <a:picLocks noChangeAspect="1"/>
+          </p:cNvPicPr>
+          <p:nvPr/>
+        </p:nvPicPr>
+        <p:blipFill>
+          <a:blip r:embed="rId2"/>
+          <a:stretch>
+            <a:fillRect/>
+          </a:stretch>
+        </p:blipFill>
+        <p:spPr>
+          <a:xfrm>
+            <a:off x="5062717" y="2839837"/>
+            <a:ext cx="2755900" cy="2730500"/>
+          </a:xfrm>
+          <a:prstGeom prst="rect">
+            <a:avLst/>
+          </a:prstGeom>
+        </p:spPr>
+      </p:pic>
     </p:spTree>
     <p:extLst>
       <p:ext uri="{BB962C8B-B14F-4D97-AF65-F5344CB8AC3E}">
